--- a/StudentWork/Yahya/SITE Report QA Engnieers.pptx
+++ b/StudentWork/Yahya/SITE Report QA Engnieers.pptx
@@ -202,7 +202,7 @@
           <a:p>
             <a:fld id="{6963C194-1526-460D-B92F-C12D4B2DFC6D}" type="datetimeFigureOut">
               <a:rPr lang="en-US" smtClean="0"/>
-              <a:t>3/4/2020</a:t>
+              <a:t>3/5/2020</a:t>
             </a:fld>
             <a:endParaRPr lang="en-US"/>
           </a:p>
@@ -1102,7 +1102,7 @@
           <a:p>
             <a:fld id="{E4C50F65-6A6A-4013-82DA-696B9E833C7A}" type="datetimeFigureOut">
               <a:rPr lang="en-US" smtClean="0"/>
-              <a:t>3/4/2020</a:t>
+              <a:t>3/5/2020</a:t>
             </a:fld>
             <a:endParaRPr lang="en-US"/>
           </a:p>
@@ -1270,7 +1270,7 @@
           <a:p>
             <a:fld id="{E4C50F65-6A6A-4013-82DA-696B9E833C7A}" type="datetimeFigureOut">
               <a:rPr lang="en-US" smtClean="0"/>
-              <a:t>3/4/2020</a:t>
+              <a:t>3/5/2020</a:t>
             </a:fld>
             <a:endParaRPr lang="en-US"/>
           </a:p>
@@ -1448,7 +1448,7 @@
           <a:p>
             <a:fld id="{E4C50F65-6A6A-4013-82DA-696B9E833C7A}" type="datetimeFigureOut">
               <a:rPr lang="en-US" smtClean="0"/>
-              <a:t>3/4/2020</a:t>
+              <a:t>3/5/2020</a:t>
             </a:fld>
             <a:endParaRPr lang="en-US"/>
           </a:p>
@@ -1760,7 +1760,7 @@
           <a:p>
             <a:fld id="{E4C50F65-6A6A-4013-82DA-696B9E833C7A}" type="datetimeFigureOut">
               <a:rPr lang="en-US" smtClean="0"/>
-              <a:t>3/4/2020</a:t>
+              <a:t>3/5/2020</a:t>
             </a:fld>
             <a:endParaRPr lang="en-US"/>
           </a:p>
@@ -2005,7 +2005,7 @@
           <a:p>
             <a:fld id="{E4C50F65-6A6A-4013-82DA-696B9E833C7A}" type="datetimeFigureOut">
               <a:rPr lang="en-US" smtClean="0"/>
-              <a:t>3/4/2020</a:t>
+              <a:t>3/5/2020</a:t>
             </a:fld>
             <a:endParaRPr lang="en-US"/>
           </a:p>
@@ -2234,7 +2234,7 @@
           <a:p>
             <a:fld id="{E4C50F65-6A6A-4013-82DA-696B9E833C7A}" type="datetimeFigureOut">
               <a:rPr lang="en-US" smtClean="0"/>
-              <a:t>3/4/2020</a:t>
+              <a:t>3/5/2020</a:t>
             </a:fld>
             <a:endParaRPr lang="en-US"/>
           </a:p>
@@ -2598,7 +2598,7 @@
           <a:p>
             <a:fld id="{E4C50F65-6A6A-4013-82DA-696B9E833C7A}" type="datetimeFigureOut">
               <a:rPr lang="en-US" smtClean="0"/>
-              <a:t>3/4/2020</a:t>
+              <a:t>3/5/2020</a:t>
             </a:fld>
             <a:endParaRPr lang="en-US"/>
           </a:p>
@@ -2715,7 +2715,7 @@
           <a:p>
             <a:fld id="{E4C50F65-6A6A-4013-82DA-696B9E833C7A}" type="datetimeFigureOut">
               <a:rPr lang="en-US" smtClean="0"/>
-              <a:t>3/4/2020</a:t>
+              <a:t>3/5/2020</a:t>
             </a:fld>
             <a:endParaRPr lang="en-US"/>
           </a:p>
@@ -2810,7 +2810,7 @@
           <a:p>
             <a:fld id="{E4C50F65-6A6A-4013-82DA-696B9E833C7A}" type="datetimeFigureOut">
               <a:rPr lang="en-US" smtClean="0"/>
-              <a:t>3/4/2020</a:t>
+              <a:t>3/5/2020</a:t>
             </a:fld>
             <a:endParaRPr lang="en-US"/>
           </a:p>
@@ -3085,7 +3085,7 @@
           <a:p>
             <a:fld id="{E4C50F65-6A6A-4013-82DA-696B9E833C7A}" type="datetimeFigureOut">
               <a:rPr lang="en-US" smtClean="0"/>
-              <a:t>3/4/2020</a:t>
+              <a:t>3/5/2020</a:t>
             </a:fld>
             <a:endParaRPr lang="en-US"/>
           </a:p>
@@ -3337,7 +3337,7 @@
           <a:p>
             <a:fld id="{E4C50F65-6A6A-4013-82DA-696B9E833C7A}" type="datetimeFigureOut">
               <a:rPr lang="en-US" smtClean="0"/>
-              <a:t>3/4/2020</a:t>
+              <a:t>3/5/2020</a:t>
             </a:fld>
             <a:endParaRPr lang="en-US"/>
           </a:p>
@@ -3548,7 +3548,7 @@
           <a:p>
             <a:fld id="{E4C50F65-6A6A-4013-82DA-696B9E833C7A}" type="datetimeFigureOut">
               <a:rPr lang="en-US" smtClean="0"/>
-              <a:t>3/4/2020</a:t>
+              <a:t>3/5/2020</a:t>
             </a:fld>
             <a:endParaRPr lang="en-US"/>
           </a:p>
@@ -3967,7 +3967,7 @@
         <p:spPr>
           <a:xfrm>
             <a:off x="194412" y="139235"/>
-            <a:ext cx="11147636" cy="1193380"/>
+            <a:ext cx="11147636" cy="725526"/>
           </a:xfrm>
         </p:spPr>
         <p:txBody>
@@ -4033,19 +4033,8 @@
                 <a:latin typeface="Univers Next Arabic" panose="020B0503030202020203" pitchFamily="34" charset="-78"/>
                 <a:cs typeface="Univers Next Arabic" panose="020B0503030202020203" pitchFamily="34" charset="-78"/>
               </a:rPr>
-              <a:t>Team: </a:t>
-            </a:r>
-            <a:r>
-              <a:rPr lang="en-US" sz="1600" dirty="0"/>
-              <a:t>QA Engineers</a:t>
-            </a:r>
-            <a:endParaRPr lang="en-US" sz="1600" dirty="0">
-              <a:solidFill>
-                <a:srgbClr val="0474EF"/>
-              </a:solidFill>
-              <a:latin typeface="Univers Next Arabic" panose="020B0503030202020203" pitchFamily="34" charset="-78"/>
-              <a:cs typeface="Univers Next Arabic" panose="020B0503030202020203" pitchFamily="34" charset="-78"/>
-            </a:endParaRPr>
+              <a:t>Team:  </a:t>
+            </a:r>
           </a:p>
         </p:txBody>
       </p:sp>
@@ -4120,7 +4109,7 @@
                 <a:ea typeface="Tahoma" panose="020B0604030504040204" pitchFamily="34" charset="0"/>
                 <a:cs typeface="Tahoma" panose="020B0604030504040204" pitchFamily="34" charset="0"/>
               </a:rPr>
-              <a:t>Project Description : Build an Employees System With CRUD Commands in Spring Boot </a:t>
+              <a:t>Project Description :</a:t>
             </a:r>
           </a:p>
         </p:txBody>
@@ -4506,7 +4495,7 @@
         <p:spPr>
           <a:xfrm>
             <a:off x="429421" y="2173342"/>
-            <a:ext cx="10705940" cy="1077218"/>
+            <a:ext cx="4897953" cy="830997"/>
           </a:xfrm>
           <a:prstGeom prst="rect">
             <a:avLst/>
@@ -4518,40 +4507,14 @@
           </a:bodyPr>
           <a:lstStyle/>
           <a:p>
-            <a:endParaRPr lang="en-US" sz="1600" dirty="0">
-              <a:solidFill>
-                <a:srgbClr val="0474EF"/>
-              </a:solidFill>
-              <a:latin typeface="Univers Next Arabic" panose="020B0503030202020203" pitchFamily="34" charset="-78"/>
-              <a:cs typeface="Univers Next Arabic" panose="020B0503030202020203" pitchFamily="34" charset="-78"/>
-            </a:endParaRPr>
-          </a:p>
-          <a:p>
             <a:r>
               <a:rPr lang="en-US" sz="1600" dirty="0">
-                <a:solidFill>
-                  <a:prstClr val="white">
-                    <a:lumMod val="50000"/>
-                  </a:prstClr>
-                </a:solidFill>
-                <a:latin typeface="Univers Next Arabic" panose="020B0503030202020203" pitchFamily="34" charset="-78"/>
-                <a:cs typeface="Univers Next Arabic" panose="020B0503030202020203" pitchFamily="34" charset="-78"/>
+                <a:latin typeface="Tahoma" panose="020B0604030504040204" pitchFamily="34" charset="0"/>
+                <a:ea typeface="Tahoma" panose="020B0604030504040204" pitchFamily="34" charset="0"/>
+                <a:cs typeface="Tahoma" panose="020B0604030504040204" pitchFamily="34" charset="0"/>
               </a:rPr>
-              <a:t> </a:t>
-            </a:r>
-          </a:p>
-          <a:p>
-            <a:endParaRPr lang="en-US" sz="1600" dirty="0">
-              <a:solidFill>
-                <a:prstClr val="white">
-                  <a:lumMod val="50000"/>
-                </a:prstClr>
-              </a:solidFill>
-              <a:latin typeface="Univers Next Arabic" panose="020B0503030202020203" pitchFamily="34" charset="-78"/>
-              <a:cs typeface="Univers Next Arabic" panose="020B0503030202020203" pitchFamily="34" charset="-78"/>
-            </a:endParaRPr>
-          </a:p>
-          <a:p>
+              <a:t> Create Employee Management website based on Spring boot using restful services , HTML, CSS, and JAVA  </a:t>
+            </a:r>
             <a:endParaRPr lang="en-US" sz="1600" dirty="0">
               <a:solidFill>
                 <a:prstClr val="white">
@@ -4666,6 +4629,38 @@
               <a:latin typeface="Univers Next Arabic" panose="020B0503030202020203" pitchFamily="34" charset="-78"/>
               <a:cs typeface="Univers Next Arabic" panose="020B0503030202020203" pitchFamily="34" charset="-78"/>
             </a:endParaRPr>
+          </a:p>
+        </p:txBody>
+      </p:sp>
+      <p:sp>
+        <p:nvSpPr>
+          <p:cNvPr id="5" name="TextBox 4">
+            <a:extLst>
+              <a:ext uri="{FF2B5EF4-FFF2-40B4-BE49-F238E27FC236}">
+                <a16:creationId xmlns:a16="http://schemas.microsoft.com/office/drawing/2014/main" id="{50987103-37E5-48A5-ADA9-F88ECA3E654F}"/>
+              </a:ext>
+            </a:extLst>
+          </p:cNvPr>
+          <p:cNvSpPr txBox="1"/>
+          <p:nvPr/>
+        </p:nvSpPr>
+        <p:spPr>
+          <a:xfrm>
+            <a:off x="5754757" y="1368483"/>
+            <a:ext cx="184731" cy="369332"/>
+          </a:xfrm>
+          <a:prstGeom prst="rect">
+            <a:avLst/>
+          </a:prstGeom>
+          <a:noFill/>
+        </p:spPr>
+        <p:txBody>
+          <a:bodyPr wrap="none" rtlCol="0">
+            <a:spAutoFit/>
+          </a:bodyPr>
+          <a:lstStyle/>
+          <a:p>
+            <a:endParaRPr lang="en-US" dirty="0"/>
           </a:p>
         </p:txBody>
       </p:sp>
